--- a/Session 14.pptx
+++ b/Session 14.pptx
@@ -246,7 +246,7 @@
           <a:p>
             <a:fld id="{471E68FF-328F-104F-BC80-393576CFDC5A}" type="datetimeFigureOut">
               <a:rPr lang="en-US" smtClean="0"/>
-              <a:t>5/26/20</a:t>
+              <a:t>6/4/20</a:t>
             </a:fld>
             <a:endParaRPr lang="en-US"/>
           </a:p>
@@ -411,7 +411,7 @@
           <a:p>
             <a:fld id="{471E68FF-328F-104F-BC80-393576CFDC5A}" type="datetimeFigureOut">
               <a:rPr lang="en-US" smtClean="0"/>
-              <a:t>5/26/20</a:t>
+              <a:t>6/4/20</a:t>
             </a:fld>
             <a:endParaRPr lang="en-US"/>
           </a:p>
@@ -586,7 +586,7 @@
           <a:p>
             <a:fld id="{471E68FF-328F-104F-BC80-393576CFDC5A}" type="datetimeFigureOut">
               <a:rPr lang="en-US" smtClean="0"/>
-              <a:t>5/26/20</a:t>
+              <a:t>6/4/20</a:t>
             </a:fld>
             <a:endParaRPr lang="en-US"/>
           </a:p>
@@ -751,7 +751,7 @@
           <a:p>
             <a:fld id="{471E68FF-328F-104F-BC80-393576CFDC5A}" type="datetimeFigureOut">
               <a:rPr lang="en-US" smtClean="0"/>
-              <a:t>5/26/20</a:t>
+              <a:t>6/4/20</a:t>
             </a:fld>
             <a:endParaRPr lang="en-US"/>
           </a:p>
@@ -990,7 +990,7 @@
           <a:p>
             <a:fld id="{471E68FF-328F-104F-BC80-393576CFDC5A}" type="datetimeFigureOut">
               <a:rPr lang="en-US" smtClean="0"/>
-              <a:t>5/26/20</a:t>
+              <a:t>6/4/20</a:t>
             </a:fld>
             <a:endParaRPr lang="en-US"/>
           </a:p>
@@ -1217,7 +1217,7 @@
           <a:p>
             <a:fld id="{471E68FF-328F-104F-BC80-393576CFDC5A}" type="datetimeFigureOut">
               <a:rPr lang="en-US" smtClean="0"/>
-              <a:t>5/26/20</a:t>
+              <a:t>6/4/20</a:t>
             </a:fld>
             <a:endParaRPr lang="en-US"/>
           </a:p>
@@ -1579,7 +1579,7 @@
           <a:p>
             <a:fld id="{471E68FF-328F-104F-BC80-393576CFDC5A}" type="datetimeFigureOut">
               <a:rPr lang="en-US" smtClean="0"/>
-              <a:t>5/26/20</a:t>
+              <a:t>6/4/20</a:t>
             </a:fld>
             <a:endParaRPr lang="en-US"/>
           </a:p>
@@ -1692,7 +1692,7 @@
           <a:p>
             <a:fld id="{471E68FF-328F-104F-BC80-393576CFDC5A}" type="datetimeFigureOut">
               <a:rPr lang="en-US" smtClean="0"/>
-              <a:t>5/26/20</a:t>
+              <a:t>6/4/20</a:t>
             </a:fld>
             <a:endParaRPr lang="en-US"/>
           </a:p>
@@ -1782,7 +1782,7 @@
           <a:p>
             <a:fld id="{471E68FF-328F-104F-BC80-393576CFDC5A}" type="datetimeFigureOut">
               <a:rPr lang="en-US" smtClean="0"/>
-              <a:t>5/26/20</a:t>
+              <a:t>6/4/20</a:t>
             </a:fld>
             <a:endParaRPr lang="en-US"/>
           </a:p>
@@ -2054,7 +2054,7 @@
           <a:p>
             <a:fld id="{471E68FF-328F-104F-BC80-393576CFDC5A}" type="datetimeFigureOut">
               <a:rPr lang="en-US" smtClean="0"/>
-              <a:t>5/26/20</a:t>
+              <a:t>6/4/20</a:t>
             </a:fld>
             <a:endParaRPr lang="en-US"/>
           </a:p>
@@ -2306,7 +2306,7 @@
           <a:p>
             <a:fld id="{471E68FF-328F-104F-BC80-393576CFDC5A}" type="datetimeFigureOut">
               <a:rPr lang="en-US" smtClean="0"/>
-              <a:t>5/26/20</a:t>
+              <a:t>6/4/20</a:t>
             </a:fld>
             <a:endParaRPr lang="en-US"/>
           </a:p>
@@ -2514,7 +2514,7 @@
           <a:p>
             <a:fld id="{471E68FF-328F-104F-BC80-393576CFDC5A}" type="datetimeFigureOut">
               <a:rPr lang="en-US" smtClean="0"/>
-              <a:t>5/26/20</a:t>
+              <a:t>6/4/20</a:t>
             </a:fld>
             <a:endParaRPr lang="en-US"/>
           </a:p>
@@ -2929,7 +2929,12 @@
             <p:ph type="ctrTitle"/>
           </p:nvPr>
         </p:nvSpPr>
-        <p:spPr/>
+        <p:spPr>
+          <a:xfrm>
+            <a:off x="685800" y="868362"/>
+            <a:ext cx="7772400" cy="2387600"/>
+          </a:xfrm>
+        </p:spPr>
         <p:txBody>
           <a:bodyPr/>
           <a:lstStyle/>
@@ -3199,64 +3204,94 @@
             <a:r>
               <a:rPr lang="en-US" dirty="0">
                 <a:solidFill>
+                  <a:srgbClr val="00B050"/>
+                </a:solidFill>
+              </a:rPr>
+              <a:t>added EXTENSION_POINT to CDDL definition</a:t>
+            </a:r>
+          </a:p>
+          <a:p>
+            <a:pPr lvl="2"/>
+            <a:r>
+              <a:rPr lang="en-US" dirty="0"/>
+              <a:t>conversion issue from CDDL </a:t>
+            </a:r>
+            <a:r>
+              <a:rPr lang="en-US" dirty="0">
+                <a:solidFill>
+                  <a:srgbClr val="00B050"/>
+                </a:solidFill>
+              </a:rPr>
+              <a:t>Done</a:t>
+            </a:r>
+          </a:p>
+          <a:p>
+            <a:pPr lvl="2"/>
+            <a:r>
+              <a:rPr lang="en-US" dirty="0"/>
+              <a:t>Need one more round of review – ready to submit – a couple of tweaks - Friday to the SDF repo</a:t>
+            </a:r>
+          </a:p>
+          <a:p>
+            <a:r>
+              <a:rPr lang="en-US" dirty="0" err="1"/>
+              <a:t>OneDM</a:t>
+            </a:r>
+            <a:r>
+              <a:rPr lang="en-US" dirty="0"/>
+              <a:t> Tools and CI</a:t>
+            </a:r>
+          </a:p>
+          <a:p>
+            <a:pPr lvl="1"/>
+            <a:r>
+              <a:rPr lang="en-US" dirty="0"/>
+              <a:t>Namespace implementation post 1.0</a:t>
+            </a:r>
+          </a:p>
+          <a:p>
+            <a:pPr lvl="1"/>
+            <a:r>
+              <a:rPr lang="en-US" dirty="0"/>
+              <a:t>Failing/error case examples to test coverage – </a:t>
+            </a:r>
+            <a:r>
+              <a:rPr lang="en-US" dirty="0">
+                <a:solidFill>
                   <a:srgbClr val="FF0000"/>
                 </a:solidFill>
               </a:rPr>
-              <a:t>add extension points to CDDL</a:t>
-            </a:r>
-          </a:p>
-          <a:p>
-            <a:pPr lvl="2"/>
-            <a:r>
-              <a:rPr lang="en-US" dirty="0"/>
-              <a:t>conversion issue from CDDL</a:t>
-            </a:r>
-          </a:p>
-          <a:p>
-            <a:pPr lvl="2"/>
-            <a:r>
-              <a:rPr lang="en-US" dirty="0"/>
-              <a:t>Need to be clear about where the extension points in the framework syntax are – for example, additional properties {}  in JSON objects – also </a:t>
-            </a:r>
-            <a:r>
-              <a:rPr lang="en-US" dirty="0" err="1"/>
-              <a:t>enums</a:t>
-            </a:r>
-            <a:r>
-              <a:rPr lang="en-US" dirty="0"/>
-              <a:t> for things like type and format</a:t>
-            </a:r>
-          </a:p>
-          <a:p>
-            <a:r>
-              <a:rPr lang="en-US" dirty="0" err="1"/>
-              <a:t>OneDM</a:t>
-            </a:r>
-            <a:r>
-              <a:rPr lang="en-US" dirty="0"/>
-              <a:t> Tools and CI</a:t>
-            </a:r>
-          </a:p>
-          <a:p>
-            <a:pPr lvl="1"/>
-            <a:r>
-              <a:rPr lang="en-US" dirty="0"/>
-              <a:t>Namespace implementation post 1.0</a:t>
-            </a:r>
-          </a:p>
-          <a:p>
-            <a:pPr lvl="1"/>
-            <a:r>
-              <a:rPr lang="en-US" dirty="0"/>
-              <a:t>Failing/error case examples to test coverage</a:t>
-            </a:r>
-          </a:p>
-          <a:p>
-            <a:pPr lvl="1"/>
-            <a:r>
-              <a:rPr lang="en-US" dirty="0"/>
-              <a:t>Syntax issue due to conversion problem</a:t>
-            </a:r>
+              <a:t>Validation needed on </a:t>
+            </a:r>
+            <a:r>
+              <a:rPr lang="en-US" dirty="0" err="1">
+                <a:solidFill>
+                  <a:srgbClr val="FF0000"/>
+                </a:solidFill>
+              </a:rPr>
+              <a:t>unit_test</a:t>
+            </a:r>
+            <a:r>
+              <a:rPr lang="en-US" dirty="0">
+                <a:solidFill>
+                  <a:srgbClr val="FF0000"/>
+                </a:solidFill>
+              </a:rPr>
+              <a:t> repo </a:t>
+            </a:r>
+            <a:r>
+              <a:rPr lang="en-US">
+                <a:solidFill>
+                  <a:srgbClr val="FF0000"/>
+                </a:solidFill>
+              </a:rPr>
+              <a:t>(Carsten)</a:t>
+            </a:r>
+            <a:endParaRPr lang="en-US" dirty="0">
+              <a:solidFill>
+                <a:srgbClr val="FF0000"/>
+              </a:solidFill>
+            </a:endParaRPr>
           </a:p>
           <a:p>
             <a:r>
@@ -3299,54 +3334,77 @@
             <a:pPr lvl="1"/>
             <a:r>
               <a:rPr lang="en-US" dirty="0"/>
-              <a:t>What is the "</a:t>
+              <a:t>What is the "new features" repo for? </a:t>
+            </a:r>
+            <a:r>
+              <a:rPr lang="en-US" dirty="0">
+                <a:solidFill>
+                  <a:srgbClr val="00B050"/>
+                </a:solidFill>
+              </a:rPr>
+              <a:t>Deleted</a:t>
+            </a:r>
+          </a:p>
+          <a:p>
+            <a:pPr lvl="1"/>
+            <a:r>
+              <a:rPr lang="en-US" dirty="0"/>
+              <a:t>Bespoke repos for managed namespaces don't exist yet</a:t>
+            </a:r>
+          </a:p>
+          <a:p>
+            <a:r>
+              <a:rPr lang="en-US" dirty="0"/>
+              <a:t>Web Page </a:t>
+            </a:r>
+          </a:p>
+          <a:p>
+            <a:pPr lvl="1"/>
+            <a:r>
+              <a:rPr lang="en-US" dirty="0"/>
+              <a:t>Statements and articles</a:t>
+            </a:r>
+          </a:p>
+          <a:p>
+            <a:pPr lvl="1"/>
+            <a:r>
+              <a:rPr lang="en-US" dirty="0"/>
+              <a:t>Pointers to vendor and ecosystem/</a:t>
             </a:r>
             <a:r>
               <a:rPr lang="en-US" dirty="0" err="1"/>
-              <a:t>new_features</a:t>
-            </a:r>
-            <a:r>
-              <a:rPr lang="en-US" dirty="0"/>
-              <a:t>" repo for?</a:t>
-            </a:r>
-          </a:p>
-          <a:p>
-            <a:pPr lvl="1"/>
-            <a:r>
-              <a:rPr lang="en-US" dirty="0"/>
-              <a:t>Bespoke repos for managed namespaces don't exist yet</a:t>
-            </a:r>
-          </a:p>
-          <a:p>
-            <a:r>
-              <a:rPr lang="en-US" dirty="0"/>
-              <a:t>Web Page </a:t>
-            </a:r>
-          </a:p>
-          <a:p>
-            <a:pPr lvl="1"/>
-            <a:r>
-              <a:rPr lang="en-US" dirty="0"/>
-              <a:t>Statements and articles</a:t>
-            </a:r>
-          </a:p>
-          <a:p>
-            <a:pPr lvl="1"/>
-            <a:r>
-              <a:rPr lang="en-US" dirty="0"/>
-              <a:t>FAQ</a:t>
-            </a:r>
-          </a:p>
-          <a:p>
-            <a:pPr lvl="1"/>
-            <a:r>
-              <a:rPr lang="en-US" dirty="0"/>
-              <a:t>How to use </a:t>
+              <a:t>sdo</a:t>
+            </a:r>
+            <a:r>
+              <a:rPr lang="en-US" dirty="0"/>
+              <a:t> tools, linter to the </a:t>
             </a:r>
             <a:r>
               <a:rPr lang="en-US" dirty="0" err="1"/>
               <a:t>OneDM</a:t>
             </a:r>
+            <a:r>
+              <a:rPr lang="en-US" dirty="0"/>
+              <a:t> tools repository</a:t>
+            </a:r>
+          </a:p>
+          <a:p>
+            <a:pPr lvl="1"/>
+            <a:r>
+              <a:rPr lang="en-US" dirty="0"/>
+              <a:t>FAQ</a:t>
+            </a:r>
+          </a:p>
+          <a:p>
+            <a:pPr lvl="1"/>
+            <a:r>
+              <a:rPr lang="en-US" dirty="0"/>
+              <a:t>How to use </a:t>
+            </a:r>
+            <a:r>
+              <a:rPr lang="en-US" dirty="0" err="1"/>
+              <a:t>OneDM</a:t>
+            </a:r>
             <a:endParaRPr lang="en-US" dirty="0"/>
           </a:p>
           <a:p>
@@ -3361,13 +3419,6 @@
             <a:r>
               <a:rPr lang="en-US" dirty="0"/>
               <a:t>How to get involved</a:t>
-            </a:r>
-          </a:p>
-          <a:p>
-            <a:pPr lvl="1"/>
-            <a:r>
-              <a:rPr lang="en-US" dirty="0"/>
-              <a:t>Open source tools - OCF and LWM2M converters</a:t>
             </a:r>
           </a:p>
           <a:p>
